--- a/rx/Vue项目最佳实践_副本.pptx
+++ b/rx/Vue项目最佳实践_副本.pptx
@@ -11389,7 +11389,7 @@
         <a:spcBef>
           <a:spcPct val="20000"/>
         </a:spcBef>
-        <a:buFont typeface="Arial" panose="020B0604020202090204" pitchFamily="34" charset="0"/>
+        <a:buFont typeface="Arial" panose="020B0604020202020204" pitchFamily="34" charset="0"/>
         <a:buChar char="•"/>
         <a:defRPr sz="3200" kern="1200">
           <a:solidFill>
@@ -11404,7 +11404,7 @@
         <a:spcBef>
           <a:spcPct val="20000"/>
         </a:spcBef>
-        <a:buFont typeface="Arial" panose="020B0604020202090204" pitchFamily="34" charset="0"/>
+        <a:buFont typeface="Arial" panose="020B0604020202020204" pitchFamily="34" charset="0"/>
         <a:buChar char="–"/>
         <a:defRPr sz="2800" kern="1200">
           <a:solidFill>
@@ -11419,7 +11419,7 @@
         <a:spcBef>
           <a:spcPct val="20000"/>
         </a:spcBef>
-        <a:buFont typeface="Arial" panose="020B0604020202090204" pitchFamily="34" charset="0"/>
+        <a:buFont typeface="Arial" panose="020B0604020202020204" pitchFamily="34" charset="0"/>
         <a:buChar char="•"/>
         <a:defRPr sz="2400" kern="1200">
           <a:solidFill>
@@ -11434,7 +11434,7 @@
         <a:spcBef>
           <a:spcPct val="20000"/>
         </a:spcBef>
-        <a:buFont typeface="Arial" panose="020B0604020202090204" pitchFamily="34" charset="0"/>
+        <a:buFont typeface="Arial" panose="020B0604020202020204" pitchFamily="34" charset="0"/>
         <a:buChar char="–"/>
         <a:defRPr sz="2000" kern="1200">
           <a:solidFill>
@@ -11449,7 +11449,7 @@
         <a:spcBef>
           <a:spcPct val="20000"/>
         </a:spcBef>
-        <a:buFont typeface="Arial" panose="020B0604020202090204" pitchFamily="34" charset="0"/>
+        <a:buFont typeface="Arial" panose="020B0604020202020204" pitchFamily="34" charset="0"/>
         <a:buChar char="»"/>
         <a:defRPr sz="2000" kern="1200">
           <a:solidFill>
@@ -11464,7 +11464,7 @@
         <a:spcBef>
           <a:spcPct val="20000"/>
         </a:spcBef>
-        <a:buFont typeface="Arial" panose="020B0604020202090204" pitchFamily="34" charset="0"/>
+        <a:buFont typeface="Arial" panose="020B0604020202020204" pitchFamily="34" charset="0"/>
         <a:buChar char="•"/>
         <a:defRPr sz="2000" kern="1200">
           <a:solidFill>
@@ -11479,7 +11479,7 @@
         <a:spcBef>
           <a:spcPct val="20000"/>
         </a:spcBef>
-        <a:buFont typeface="Arial" panose="020B0604020202090204" pitchFamily="34" charset="0"/>
+        <a:buFont typeface="Arial" panose="020B0604020202020204" pitchFamily="34" charset="0"/>
         <a:buChar char="•"/>
         <a:defRPr sz="2000" kern="1200">
           <a:solidFill>
@@ -11494,7 +11494,7 @@
         <a:spcBef>
           <a:spcPct val="20000"/>
         </a:spcBef>
-        <a:buFont typeface="Arial" panose="020B0604020202090204" pitchFamily="34" charset="0"/>
+        <a:buFont typeface="Arial" panose="020B0604020202020204" pitchFamily="34" charset="0"/>
         <a:buChar char="•"/>
         <a:defRPr sz="2000" kern="1200">
           <a:solidFill>
@@ -11509,7 +11509,7 @@
         <a:spcBef>
           <a:spcPct val="20000"/>
         </a:spcBef>
-        <a:buFont typeface="Arial" panose="020B0604020202090204" pitchFamily="34" charset="0"/>
+        <a:buFont typeface="Arial" panose="020B0604020202020204" pitchFamily="34" charset="0"/>
         <a:buChar char="•"/>
         <a:defRPr sz="2000" kern="1200">
           <a:solidFill>
@@ -11661,6 +11661,17 @@
               <a:buNone/>
             </a:pPr>
             <a:r>
+              <a:rPr lang="zh-CN" altLang="en-US" sz="3500" b="1" dirty="0">
+                <a:solidFill>
+                  <a:srgbClr val="383838"/>
+                </a:solidFill>
+                <a:latin typeface="Noto Sans SC" pitchFamily="34" charset="0"/>
+                <a:ea typeface="Noto Sans SC" pitchFamily="34" charset="-122"/>
+                <a:cs typeface="Noto Sans SC" pitchFamily="34" charset="-120"/>
+              </a:rPr>
+              <a:t>前端</a:t>
+            </a:r>
+            <a:r>
               <a:rPr lang="en-US" sz="3500" b="1" dirty="0">
                 <a:solidFill>
                   <a:srgbClr val="383838"/>
@@ -11669,9 +11680,38 @@
                 <a:ea typeface="Noto Sans SC" pitchFamily="34" charset="-122"/>
                 <a:cs typeface="Noto Sans SC" pitchFamily="34" charset="-120"/>
               </a:rPr>
-              <a:t>Vue项目最佳实践</a:t>
-            </a:r>
-            <a:endParaRPr lang="en-US" sz="3500" dirty="0"/>
+              <a:t>Vue项目</a:t>
+            </a:r>
+            <a:r>
+              <a:rPr lang="zh-CN" altLang="en-US" sz="3500" b="1" dirty="0">
+                <a:solidFill>
+                  <a:srgbClr val="383838"/>
+                </a:solidFill>
+                <a:latin typeface="Noto Sans SC" pitchFamily="34" charset="0"/>
+                <a:ea typeface="Noto Sans SC" pitchFamily="34" charset="-122"/>
+                <a:cs typeface="Noto Sans SC" pitchFamily="34" charset="-120"/>
+              </a:rPr>
+              <a:t>性能优化技巧</a:t>
+            </a:r>
+            <a:r>
+              <a:rPr lang="zh-CN" altLang="en-US" sz="3500" b="1" dirty="0">
+                <a:solidFill>
+                  <a:srgbClr val="383838"/>
+                </a:solidFill>
+                <a:latin typeface="Noto Sans SC" pitchFamily="34" charset="0"/>
+                <a:ea typeface="Noto Sans SC" pitchFamily="34" charset="-122"/>
+                <a:cs typeface="Noto Sans SC" pitchFamily="34" charset="-120"/>
+              </a:rPr>
+              <a:t>实战</a:t>
+            </a:r>
+            <a:endParaRPr lang="zh-CN" altLang="en-US" sz="3500" b="1" dirty="0">
+              <a:solidFill>
+                <a:srgbClr val="383838"/>
+              </a:solidFill>
+              <a:latin typeface="Noto Sans SC" pitchFamily="34" charset="0"/>
+              <a:ea typeface="Noto Sans SC" pitchFamily="34" charset="-122"/>
+              <a:cs typeface="Noto Sans SC" pitchFamily="34" charset="-120"/>
+            </a:endParaRPr>
           </a:p>
         </p:txBody>
       </p:sp>
